--- a/mid_sem_RL_interM.pptx
+++ b/mid_sem_RL_interM.pptx
@@ -148,6 +148,30 @@
   </mc:AlternateContent>
   <c:chart>
     <c:title>
+      <c:tx>
+        <c:rich>
+          <a:bodyPr rot="0" spcFirstLastPara="0" vertOverflow="ellipsis" vert="horz" wrap="square" anchor="ctr" anchorCtr="1"/>
+          <a:lstStyle/>
+          <a:p>
+            <a:pPr defTabSz="914400">
+              <a:defRPr lang="en-US" sz="1400" b="1" i="0" u="none" strike="noStrike" kern="1200" baseline="0">
+                <a:solidFill>
+                  <a:schemeClr val="tx1">
+                    <a:lumMod val="75000"/>
+                    <a:lumOff val="25000"/>
+                  </a:schemeClr>
+                </a:solidFill>
+                <a:latin typeface="+mn-lt"/>
+                <a:ea typeface="+mn-ea"/>
+                <a:cs typeface="+mn-cs"/>
+              </a:defRPr>
+            </a:pPr>
+            <a:r>
+              <a:t>Mines Fatalities</a:t>
+            </a:r>
+          </a:p>
+        </c:rich>
+      </c:tx>
       <c:layout/>
       <c:overlay val="0"/>
       <c:spPr>
@@ -157,25 +181,6 @@
         </a:ln>
         <a:effectLst/>
       </c:spPr>
-      <c:txPr>
-        <a:bodyPr rot="0" spcFirstLastPara="0" vertOverflow="ellipsis" vert="horz" wrap="square" anchor="ctr" anchorCtr="1"/>
-        <a:lstStyle/>
-        <a:p>
-          <a:pPr>
-            <a:defRPr lang="en-US" sz="1400" b="1" i="0" u="none" strike="noStrike" kern="1200" baseline="0">
-              <a:solidFill>
-                <a:schemeClr val="tx1">
-                  <a:lumMod val="75000"/>
-                  <a:lumOff val="25000"/>
-                </a:schemeClr>
-              </a:solidFill>
-              <a:latin typeface="+mn-lt"/>
-              <a:ea typeface="+mn-ea"/>
-              <a:cs typeface="+mn-cs"/>
-            </a:defRPr>
-          </a:pPr>
-        </a:p>
-      </c:txPr>
     </c:title>
     <c:autoTitleDeleted val="0"/>
     <c:plotArea>
@@ -6058,7 +6063,7 @@
         </p:blipFill>
         <p:spPr>
           <a:xfrm>
-            <a:off x="5222081" y="2364926"/>
+            <a:off x="5222081" y="2394136"/>
             <a:ext cx="1747879" cy="1747879"/>
           </a:xfrm>
           <a:prstGeom prst="rect">
@@ -7338,7 +7343,7 @@
         </p:blipFill>
         <p:spPr>
           <a:xfrm>
-            <a:off x="2419985" y="4538345"/>
+            <a:off x="2419985" y="4745990"/>
             <a:ext cx="7632065" cy="1606550"/>
           </a:xfrm>
           <a:prstGeom prst="rect">
@@ -7354,8 +7359,8 @@
         </p:nvSpPr>
         <p:spPr>
           <a:xfrm>
-            <a:off x="4939665" y="6130290"/>
-            <a:ext cx="2592705" cy="368300"/>
+            <a:off x="4792980" y="6396355"/>
+            <a:ext cx="2592705" cy="292100"/>
           </a:xfrm>
           <a:prstGeom prst="rect">
             <a:avLst/>
@@ -7364,17 +7369,17 @@
         </p:spPr>
         <p:txBody>
           <a:bodyPr wrap="square" rtlCol="0">
-            <a:spAutoFit/>
+            <a:noAutofit/>
           </a:bodyPr>
           <a:p>
             <a:r>
-              <a:rPr lang="en-US" altLang="en-US" i="1">
-                <a:latin typeface="Cambria" panose="02040503050406030204" charset="0"/>
-                <a:cs typeface="Cambria" panose="02040503050406030204" charset="0"/>
-              </a:rPr>
-              <a:t>Agent learning behavior</a:t>
-            </a:r>
-            <a:endParaRPr lang="en-US" altLang="en-US" i="1">
+              <a:rPr lang="en-US" altLang="en-US" sz="1400" i="1">
+                <a:latin typeface="Cambria" panose="02040503050406030204" charset="0"/>
+                <a:cs typeface="Cambria" panose="02040503050406030204" charset="0"/>
+              </a:rPr>
+              <a:t>Fig 3: Agent learning behavior</a:t>
+            </a:r>
+            <a:endParaRPr lang="en-US" altLang="en-US" sz="1400" i="1">
               <a:latin typeface="Cambria" panose="02040503050406030204" charset="0"/>
               <a:cs typeface="Cambria" panose="02040503050406030204" charset="0"/>
             </a:endParaRPr>
@@ -8361,7 +8366,7 @@
         </p:nvSpPr>
         <p:spPr>
           <a:xfrm>
-            <a:off x="2015490" y="356235"/>
+            <a:off x="2015490" y="297815"/>
             <a:ext cx="8190865" cy="730885"/>
           </a:xfrm>
           <a:prstGeom prst="rect">
@@ -9078,6 +9083,41 @@
           </a:prstGeom>
         </p:spPr>
       </p:pic>
+      <p:sp>
+        <p:nvSpPr>
+          <p:cNvPr id="6" name="Text Box 5"/>
+          <p:cNvSpPr txBox="1"/>
+          <p:nvPr/>
+        </p:nvSpPr>
+        <p:spPr>
+          <a:xfrm>
+            <a:off x="4579620" y="6396355"/>
+            <a:ext cx="2886710" cy="292100"/>
+          </a:xfrm>
+          <a:prstGeom prst="rect">
+            <a:avLst/>
+          </a:prstGeom>
+          <a:noFill/>
+        </p:spPr>
+        <p:txBody>
+          <a:bodyPr wrap="square" rtlCol="0">
+            <a:noAutofit/>
+          </a:bodyPr>
+          <a:p>
+            <a:r>
+              <a:rPr lang="en-US" altLang="en-US" sz="1400" i="1">
+                <a:latin typeface="Cambria" panose="02040503050406030204" charset="0"/>
+                <a:cs typeface="Cambria" panose="02040503050406030204" charset="0"/>
+              </a:rPr>
+              <a:t>Fig 4: Reinforcement Classification</a:t>
+            </a:r>
+            <a:endParaRPr lang="en-US" altLang="en-US" sz="1400" i="1">
+              <a:latin typeface="Cambria" panose="02040503050406030204" charset="0"/>
+              <a:cs typeface="Cambria" panose="02040503050406030204" charset="0"/>
+            </a:endParaRPr>
+          </a:p>
+        </p:txBody>
+      </p:sp>
     </p:spTree>
   </p:cSld>
   <p:clrMapOvr>
@@ -9332,7 +9372,7 @@
         </p:nvSpPr>
         <p:spPr>
           <a:xfrm>
-            <a:off x="1257300" y="1204595"/>
+            <a:off x="1257300" y="1160780"/>
             <a:ext cx="9911080" cy="5322570"/>
           </a:xfrm>
           <a:prstGeom prst="rect">
@@ -9872,7 +9912,7 @@
         </p:blipFill>
         <p:spPr>
           <a:xfrm>
-            <a:off x="1104900" y="1310005"/>
+            <a:off x="1104900" y="1462405"/>
             <a:ext cx="10596245" cy="4928870"/>
           </a:xfrm>
           <a:prstGeom prst="rect">
@@ -9888,8 +9928,8 @@
         </p:nvSpPr>
         <p:spPr>
           <a:xfrm>
-            <a:off x="5040630" y="6297930"/>
-            <a:ext cx="2222500" cy="368300"/>
+            <a:off x="4984750" y="6422390"/>
+            <a:ext cx="2222500" cy="306705"/>
           </a:xfrm>
           <a:prstGeom prst="rect">
             <a:avLst/>
@@ -9902,13 +9942,13 @@
           </a:bodyPr>
           <a:p>
             <a:r>
-              <a:rPr lang="en-US" altLang="en-US" i="1">
-                <a:latin typeface="Cambria" panose="02040503050406030204" charset="0"/>
-                <a:cs typeface="Cambria" panose="02040503050406030204" charset="0"/>
-              </a:rPr>
-              <a:t>Q-Learning behavior</a:t>
-            </a:r>
-            <a:endParaRPr lang="en-US" altLang="en-US" i="1">
+              <a:rPr lang="en-US" altLang="en-US" sz="1400" i="1">
+                <a:latin typeface="Cambria" panose="02040503050406030204" charset="0"/>
+                <a:cs typeface="Cambria" panose="02040503050406030204" charset="0"/>
+              </a:rPr>
+              <a:t>Fig 5: Q-Learning behavior</a:t>
+            </a:r>
+            <a:endParaRPr lang="en-US" altLang="en-US" sz="1400" i="1">
               <a:latin typeface="Cambria" panose="02040503050406030204" charset="0"/>
               <a:cs typeface="Cambria" panose="02040503050406030204" charset="0"/>
             </a:endParaRPr>
@@ -10129,7 +10169,7 @@
         </p:nvSpPr>
         <p:spPr>
           <a:xfrm>
-            <a:off x="3870325" y="342265"/>
+            <a:off x="3870325" y="210820"/>
             <a:ext cx="4451985" cy="730885"/>
           </a:xfrm>
           <a:prstGeom prst="rect">
@@ -10169,7 +10209,7 @@
         </p:nvSpPr>
         <p:spPr>
           <a:xfrm>
-            <a:off x="1257300" y="1204595"/>
+            <a:off x="1257300" y="1073150"/>
             <a:ext cx="9794240" cy="5322570"/>
           </a:xfrm>
           <a:prstGeom prst="rect">
@@ -10707,7 +10747,7 @@
         </p:nvSpPr>
         <p:spPr>
           <a:xfrm>
-            <a:off x="1131570" y="6205855"/>
+            <a:off x="1131570" y="6278880"/>
             <a:ext cx="4014470" cy="398780"/>
           </a:xfrm>
           <a:prstGeom prst="rect">
@@ -10742,7 +10782,7 @@
         </p:nvSpPr>
         <p:spPr>
           <a:xfrm>
-            <a:off x="6301105" y="6214110"/>
+            <a:off x="6564630" y="6315075"/>
             <a:ext cx="4091940" cy="398780"/>
           </a:xfrm>
           <a:prstGeom prst="rect">
@@ -10786,7 +10826,7 @@
         </p:blipFill>
         <p:spPr>
           <a:xfrm>
-            <a:off x="488950" y="1031875"/>
+            <a:off x="488950" y="900430"/>
             <a:ext cx="6177915" cy="5116195"/>
           </a:xfrm>
           <a:prstGeom prst="rect">
@@ -10811,7 +10851,7 @@
         </p:blipFill>
         <p:spPr>
           <a:xfrm>
-            <a:off x="5783580" y="1045845"/>
+            <a:off x="5783580" y="914400"/>
             <a:ext cx="5959475" cy="5020945"/>
           </a:xfrm>
           <a:prstGeom prst="rect">
@@ -10819,6 +10859,76 @@
           </a:prstGeom>
         </p:spPr>
       </p:pic>
+      <p:sp>
+        <p:nvSpPr>
+          <p:cNvPr id="6" name="Text Box 5"/>
+          <p:cNvSpPr txBox="1"/>
+          <p:nvPr/>
+        </p:nvSpPr>
+        <p:spPr>
+          <a:xfrm>
+            <a:off x="1605280" y="6008370"/>
+            <a:ext cx="2841625" cy="292100"/>
+          </a:xfrm>
+          <a:prstGeom prst="rect">
+            <a:avLst/>
+          </a:prstGeom>
+          <a:noFill/>
+        </p:spPr>
+        <p:txBody>
+          <a:bodyPr wrap="square" rtlCol="0">
+            <a:noAutofit/>
+          </a:bodyPr>
+          <a:p>
+            <a:r>
+              <a:rPr lang="en-US" altLang="en-US" sz="1400" i="1">
+                <a:latin typeface="Cambria" panose="02040503050406030204" charset="0"/>
+                <a:cs typeface="Cambria" panose="02040503050406030204" charset="0"/>
+              </a:rPr>
+              <a:t>Fig 6: Policy Heat Map (early stage)</a:t>
+            </a:r>
+            <a:endParaRPr lang="en-US" altLang="en-US" sz="1400" i="1">
+              <a:latin typeface="Cambria" panose="02040503050406030204" charset="0"/>
+              <a:cs typeface="Cambria" panose="02040503050406030204" charset="0"/>
+            </a:endParaRPr>
+          </a:p>
+        </p:txBody>
+      </p:sp>
+      <p:sp>
+        <p:nvSpPr>
+          <p:cNvPr id="5" name="Text Box 4"/>
+          <p:cNvSpPr txBox="1"/>
+          <p:nvPr/>
+        </p:nvSpPr>
+        <p:spPr>
+          <a:xfrm>
+            <a:off x="6985000" y="6008370"/>
+            <a:ext cx="3251835" cy="292100"/>
+          </a:xfrm>
+          <a:prstGeom prst="rect">
+            <a:avLst/>
+          </a:prstGeom>
+          <a:noFill/>
+        </p:spPr>
+        <p:txBody>
+          <a:bodyPr wrap="square" rtlCol="0">
+            <a:noAutofit/>
+          </a:bodyPr>
+          <a:p>
+            <a:r>
+              <a:rPr lang="en-US" altLang="en-US" sz="1400" i="1">
+                <a:latin typeface="Cambria" panose="02040503050406030204" charset="0"/>
+                <a:cs typeface="Cambria" panose="02040503050406030204" charset="0"/>
+              </a:rPr>
+              <a:t>Fig 7: Policy Heat Map (post early stage)</a:t>
+            </a:r>
+            <a:endParaRPr lang="en-US" altLang="en-US" sz="1400" i="1">
+              <a:latin typeface="Cambria" panose="02040503050406030204" charset="0"/>
+              <a:cs typeface="Cambria" panose="02040503050406030204" charset="0"/>
+            </a:endParaRPr>
+          </a:p>
+        </p:txBody>
+      </p:sp>
     </p:spTree>
   </p:cSld>
   <p:clrMapOvr>
@@ -11073,8 +11183,8 @@
         </p:nvSpPr>
         <p:spPr>
           <a:xfrm>
-            <a:off x="1217930" y="6233160"/>
-            <a:ext cx="4705350" cy="398780"/>
+            <a:off x="778510" y="6283960"/>
+            <a:ext cx="4221480" cy="398780"/>
           </a:xfrm>
           <a:prstGeom prst="rect">
             <a:avLst/>
@@ -11108,7 +11218,7 @@
         </p:nvSpPr>
         <p:spPr>
           <a:xfrm>
-            <a:off x="6263005" y="6229985"/>
+            <a:off x="6263005" y="6332220"/>
             <a:ext cx="4403090" cy="398780"/>
           </a:xfrm>
           <a:prstGeom prst="rect">
@@ -11152,7 +11262,7 @@
         </p:blipFill>
         <p:spPr>
           <a:xfrm>
-            <a:off x="492125" y="992505"/>
+            <a:off x="492125" y="904875"/>
             <a:ext cx="5932805" cy="5061585"/>
           </a:xfrm>
           <a:prstGeom prst="rect">
@@ -11177,7 +11287,7 @@
         </p:blipFill>
         <p:spPr>
           <a:xfrm>
-            <a:off x="5723255" y="1000760"/>
+            <a:off x="5723255" y="913130"/>
             <a:ext cx="5987415" cy="5035550"/>
           </a:xfrm>
           <a:prstGeom prst="rect">
@@ -11185,6 +11295,76 @@
           </a:prstGeom>
         </p:spPr>
       </p:pic>
+      <p:sp>
+        <p:nvSpPr>
+          <p:cNvPr id="3" name="Text Box 2"/>
+          <p:cNvSpPr txBox="1"/>
+          <p:nvPr/>
+        </p:nvSpPr>
+        <p:spPr>
+          <a:xfrm>
+            <a:off x="1370965" y="5979160"/>
+            <a:ext cx="2841625" cy="292100"/>
+          </a:xfrm>
+          <a:prstGeom prst="rect">
+            <a:avLst/>
+          </a:prstGeom>
+          <a:noFill/>
+        </p:spPr>
+        <p:txBody>
+          <a:bodyPr wrap="square" rtlCol="0">
+            <a:noAutofit/>
+          </a:bodyPr>
+          <a:p>
+            <a:r>
+              <a:rPr lang="en-US" altLang="en-US" sz="1400" i="1">
+                <a:latin typeface="Cambria" panose="02040503050406030204" charset="0"/>
+                <a:cs typeface="Cambria" panose="02040503050406030204" charset="0"/>
+              </a:rPr>
+              <a:t>Fig 8: Policy Heat Map (mid stage)</a:t>
+            </a:r>
+            <a:endParaRPr lang="en-US" altLang="en-US" sz="1400" i="1">
+              <a:latin typeface="Cambria" panose="02040503050406030204" charset="0"/>
+              <a:cs typeface="Cambria" panose="02040503050406030204" charset="0"/>
+            </a:endParaRPr>
+          </a:p>
+        </p:txBody>
+      </p:sp>
+      <p:sp>
+        <p:nvSpPr>
+          <p:cNvPr id="4" name="Text Box 3"/>
+          <p:cNvSpPr txBox="1"/>
+          <p:nvPr/>
+        </p:nvSpPr>
+        <p:spPr>
+          <a:xfrm>
+            <a:off x="6949440" y="6047740"/>
+            <a:ext cx="2841625" cy="292100"/>
+          </a:xfrm>
+          <a:prstGeom prst="rect">
+            <a:avLst/>
+          </a:prstGeom>
+          <a:noFill/>
+        </p:spPr>
+        <p:txBody>
+          <a:bodyPr wrap="square" rtlCol="0">
+            <a:noAutofit/>
+          </a:bodyPr>
+          <a:p>
+            <a:r>
+              <a:rPr lang="en-US" altLang="en-US" sz="1400" i="1">
+                <a:latin typeface="Cambria" panose="02040503050406030204" charset="0"/>
+                <a:cs typeface="Cambria" panose="02040503050406030204" charset="0"/>
+              </a:rPr>
+              <a:t>Fig 9: Policy Heat Map (late stage)</a:t>
+            </a:r>
+            <a:endParaRPr lang="en-US" altLang="en-US" sz="1400" i="1">
+              <a:latin typeface="Cambria" panose="02040503050406030204" charset="0"/>
+              <a:cs typeface="Cambria" panose="02040503050406030204" charset="0"/>
+            </a:endParaRPr>
+          </a:p>
+        </p:txBody>
+      </p:sp>
     </p:spTree>
   </p:cSld>
   <p:clrMapOvr>
@@ -12374,8 +12554,8 @@
         </p:blipFill>
         <p:spPr>
           <a:xfrm>
-            <a:off x="7422515" y="1905"/>
-            <a:ext cx="4827905" cy="6858000"/>
+            <a:off x="7474585" y="-45720"/>
+            <a:ext cx="4775835" cy="6784340"/>
           </a:xfrm>
           <a:prstGeom prst="rect">
             <a:avLst/>
@@ -12790,6 +12970,41 @@
               <a:t>Perform systematic hyperparameter tuning (e.g., learning rate α, discount factor γ, exploration rate ε).</a:t>
             </a:r>
             <a:endParaRPr lang="en-US" altLang="en-US" sz="2000">
+              <a:latin typeface="Cambria" panose="02040503050406030204" charset="0"/>
+              <a:cs typeface="Cambria" panose="02040503050406030204" charset="0"/>
+            </a:endParaRPr>
+          </a:p>
+        </p:txBody>
+      </p:sp>
+      <p:sp>
+        <p:nvSpPr>
+          <p:cNvPr id="5" name="Text Box 4"/>
+          <p:cNvSpPr txBox="1"/>
+          <p:nvPr/>
+        </p:nvSpPr>
+        <p:spPr>
+          <a:xfrm>
+            <a:off x="8392795" y="6604000"/>
+            <a:ext cx="2255520" cy="248285"/>
+          </a:xfrm>
+          <a:prstGeom prst="rect">
+            <a:avLst/>
+          </a:prstGeom>
+          <a:noFill/>
+        </p:spPr>
+        <p:txBody>
+          <a:bodyPr wrap="square" rtlCol="0">
+            <a:noAutofit/>
+          </a:bodyPr>
+          <a:p>
+            <a:r>
+              <a:rPr lang="en-US" altLang="en-US" sz="1400" i="1">
+                <a:latin typeface="Cambria" panose="02040503050406030204" charset="0"/>
+                <a:cs typeface="Cambria" panose="02040503050406030204" charset="0"/>
+              </a:rPr>
+              <a:t>Fig 10: Process Flow Chart</a:t>
+            </a:r>
+            <a:endParaRPr lang="en-US" altLang="en-US" sz="1400" i="1">
               <a:latin typeface="Cambria" panose="02040503050406030204" charset="0"/>
               <a:cs typeface="Cambria" panose="02040503050406030204" charset="0"/>
             </a:endParaRPr>
@@ -13174,7 +13389,18 @@
                           <a:latin typeface="Cambria" panose="02040503050406030204" charset="0"/>
                           <a:cs typeface="Cambria" panose="02040503050406030204" charset="0"/>
                         </a:rPr>
-                        <a:t>[1] </a:t>
+                        <a:t>[1] Online </a:t>
+                      </a:r>
+                      <a:r>
+                        <a:rPr lang="en-US" sz="1800" b="0">
+                          <a:solidFill>
+                            <a:schemeClr val="tx1"/>
+                          </a:solidFill>
+                          <a:latin typeface="Cambria" panose="02040503050406030204" charset="0"/>
+                          <a:cs typeface="Cambria" panose="02040503050406030204" charset="0"/>
+                          <a:sym typeface="+mn-ea"/>
+                        </a:rPr>
+                        <a:t>Data Source: </a:t>
                       </a:r>
                       <a:r>
                         <a:rPr lang="en-US" altLang="en-US" sz="1800" b="0">
@@ -13183,28 +13409,9 @@
                           </a:solidFill>
                           <a:latin typeface="Cambria" panose="02040503050406030204" charset="0"/>
                           <a:cs typeface="Cambria" panose="02040503050406030204" charset="0"/>
+                          <a:sym typeface="+mn-ea"/>
                         </a:rPr>
-                        <a:t>S. M. Chowdhury and A. Hossain, ‘‘</a:t>
-                      </a:r>
-                      <a:r>
-                        <a:rPr lang="en-US" altLang="en-US" sz="1800" b="0" i="1">
-                          <a:solidFill>
-                            <a:schemeClr val="tx1"/>
-                          </a:solidFill>
-                          <a:latin typeface="Cambria" panose="02040503050406030204" charset="0"/>
-                          <a:cs typeface="Cambria" panose="02040503050406030204" charset="0"/>
-                        </a:rPr>
-                        <a:t>Different energy saving schemes in wireless sensor networks: A survey,’’ </a:t>
-                      </a:r>
-                      <a:r>
-                        <a:rPr lang="en-US" altLang="en-US" sz="1800" b="0">
-                          <a:solidFill>
-                            <a:schemeClr val="tx1"/>
-                          </a:solidFill>
-                          <a:latin typeface="Cambria" panose="02040503050406030204" charset="0"/>
-                          <a:cs typeface="Cambria" panose="02040503050406030204" charset="0"/>
-                        </a:rPr>
-                        <a:t>Wireless Pers. Commun., vol. 114, no. 3, pp. 2043–2062, Oct. 2020</a:t>
+                        <a:t>Directorate General of Mines Safety (DGMS) - https://www.dgms.gov.in</a:t>
                       </a:r>
                       <a:endParaRPr lang="en-US" altLang="en-US" sz="1800" b="0">
                         <a:solidFill>
@@ -13212,6 +13419,7 @@
                         </a:solidFill>
                         <a:latin typeface="Cambria" panose="02040503050406030204" charset="0"/>
                         <a:cs typeface="Cambria" panose="02040503050406030204" charset="0"/>
+                        <a:sym typeface="+mn-ea"/>
                       </a:endParaRPr>
                     </a:p>
                   </a:txBody>
@@ -13402,7 +13610,28 @@
                           <a:latin typeface="Cambria" panose="02040503050406030204" charset="0"/>
                           <a:cs typeface="Cambria" panose="02040503050406030204" charset="0"/>
                         </a:rPr>
-                        <a:t>” Journal of Cyber Security and Mobility, vol. 12, no. 3, pp. 275–296, May 2023, doi: 10.13052/jcsm2245-1439.1232.</a:t>
+                        <a:t>” Journal of Cyber Security and Mobility, </a:t>
+                      </a:r>
+                      <a:r>
+                        <a:rPr lang="en-US" altLang="en-US" sz="1800">
+                          <a:solidFill>
+                            <a:schemeClr val="tx1"/>
+                          </a:solidFill>
+                          <a:latin typeface="Cambria" panose="02040503050406030204" charset="0"/>
+                          <a:cs typeface="Cambria" panose="02040503050406030204" charset="0"/>
+                          <a:sym typeface="+mn-ea"/>
+                        </a:rPr>
+                        <a:t>IEEE </a:t>
+                      </a:r>
+                      <a:r>
+                        <a:rPr lang="en-US" altLang="en-US" sz="1800" b="0">
+                          <a:solidFill>
+                            <a:schemeClr val="tx1"/>
+                          </a:solidFill>
+                          <a:latin typeface="Cambria" panose="02040503050406030204" charset="0"/>
+                          <a:cs typeface="Cambria" panose="02040503050406030204" charset="0"/>
+                        </a:rPr>
+                        <a:t>vol. 12, no. 3, pp. 275–296, May 2023, doi: 10.13052/jcsm2245-1439.1232.</a:t>
                       </a:r>
                       <a:endParaRPr lang="en-US" altLang="en-US" sz="1800" b="0">
                         <a:solidFill>
@@ -14131,7 +14360,7 @@
                   </a:tcPr>
                 </a:tc>
               </a:tr>
-              <a:tr h="521970">
+              <a:tr h="640080">
                 <a:tc>
                   <a:txBody>
                     <a:bodyPr/>
@@ -14260,7 +14489,7 @@
                           <a:latin typeface="Cambria" panose="02040503050406030204" charset="0"/>
                           <a:cs typeface="Cambria" panose="02040503050406030204" charset="0"/>
                         </a:rPr>
-                        <a:t>[13] </a:t>
+                        <a:t>[12] </a:t>
                       </a:r>
                       <a:r>
                         <a:rPr lang="en-US" sz="1800">
@@ -14729,7 +14958,7 @@
         </p:nvSpPr>
         <p:spPr>
           <a:xfrm>
-            <a:off x="3284855" y="1241425"/>
+            <a:off x="3364230" y="1320800"/>
             <a:ext cx="1587500" cy="1616710"/>
           </a:xfrm>
           <a:prstGeom prst="ellipse">
@@ -15439,8 +15668,8 @@
         </p:nvSpPr>
         <p:spPr>
           <a:xfrm>
-            <a:off x="6437630" y="6509385"/>
-            <a:ext cx="2301240" cy="368300"/>
+            <a:off x="6482715" y="6343015"/>
+            <a:ext cx="2536825" cy="484505"/>
           </a:xfrm>
           <a:prstGeom prst="rect">
             <a:avLst/>
@@ -15449,11 +15678,11 @@
         </p:spPr>
         <p:txBody>
           <a:bodyPr wrap="square" rtlCol="0">
-            <a:spAutoFit/>
+            <a:noAutofit/>
           </a:bodyPr>
           <a:p>
             <a:r>
-              <a:rPr lang="en-US">
+              <a:rPr lang="en-US" sz="1400" i="1">
                 <a:latin typeface="Cambria" panose="02040503050406030204" charset="0"/>
                 <a:cs typeface="Cambria" panose="02040503050406030204" charset="0"/>
                 <a:sym typeface="+mn-ea"/>
@@ -15461,14 +15690,29 @@
               <a:t>Data Source: </a:t>
             </a:r>
             <a:r>
-              <a:rPr lang="en-US" altLang="en-US">
+              <a:rPr lang="en-US" altLang="en-US" sz="1400" i="1">
                 <a:latin typeface="Cambria" panose="02040503050406030204" charset="0"/>
                 <a:cs typeface="Cambria" panose="02040503050406030204" charset="0"/>
                 <a:sym typeface="+mn-ea"/>
               </a:rPr>
-              <a:t>DGMS</a:t>
-            </a:r>
-            <a:endParaRPr lang="en-US"/>
+              <a:t>DGMS [1] </a:t>
+            </a:r>
+            <a:endParaRPr lang="en-US" altLang="en-US" sz="1400" i="1">
+              <a:latin typeface="Cambria" panose="02040503050406030204" charset="0"/>
+              <a:cs typeface="Cambria" panose="02040503050406030204" charset="0"/>
+              <a:sym typeface="+mn-ea"/>
+            </a:endParaRPr>
+          </a:p>
+          <a:p>
+            <a:r>
+              <a:rPr lang="en-US" altLang="en-US" sz="1400" i="1">
+                <a:latin typeface="Cambria" panose="02040503050406030204" charset="0"/>
+                <a:cs typeface="Cambria" panose="02040503050406030204" charset="0"/>
+                <a:sym typeface="+mn-ea"/>
+              </a:rPr>
+              <a:t>Fig 1: Mines Location </a:t>
+            </a:r>
+            <a:endParaRPr lang="en-US" sz="1400" i="1"/>
           </a:p>
         </p:txBody>
       </p:sp>
@@ -16009,7 +16253,7 @@
           <p:nvPr/>
         </p:nvGraphicFramePr>
         <p:xfrm>
-          <a:off x="7978140" y="992505"/>
+          <a:off x="7978140" y="1056005"/>
           <a:ext cx="5090160" cy="3048635"/>
         </p:xfrm>
         <a:graphic>
@@ -16265,7 +16509,7 @@
         <p:spPr>
           <a:xfrm>
             <a:off x="709930" y="4072890"/>
-            <a:ext cx="4064000" cy="337185"/>
+            <a:ext cx="5016500" cy="337185"/>
           </a:xfrm>
           <a:prstGeom prst="rect">
             <a:avLst/>
@@ -16282,7 +16526,7 @@
                 <a:latin typeface="Cambria" panose="02040503050406030204" charset="0"/>
                 <a:cs typeface="Cambria" panose="02040503050406030204" charset="0"/>
               </a:rPr>
-              <a:t>Table1. This year mines </a:t>
+              <a:t>Table1.  Mines </a:t>
             </a:r>
             <a:r>
               <a:rPr lang="en-US" altLang="en-US" sz="1600">
@@ -16297,7 +16541,7 @@
                 <a:latin typeface="Cambria" panose="02040503050406030204" charset="0"/>
                 <a:cs typeface="Cambria" panose="02040503050406030204" charset="0"/>
               </a:rPr>
-              <a:t> in India</a:t>
+              <a:t> in India (2025)[1]</a:t>
             </a:r>
             <a:endParaRPr lang="en-US" sz="1600">
               <a:latin typeface="Cambria" panose="02040503050406030204" charset="0"/>
@@ -16342,7 +16586,7 @@
                 <a:latin typeface="Cambria" panose="02040503050406030204" charset="0"/>
                 <a:cs typeface="Cambria" panose="02040503050406030204" charset="0"/>
               </a:rPr>
-              <a:t>Over10 year period(2010 to 2020), total coal mine accidents reported is arround 30,025 and leads to total deaths of 49,615.</a:t>
+              <a:t>Over 10 year period(2010 to 2020), total coal mine accidents reported is arround 30,025 and leads to total deaths of 49,615.</a:t>
             </a:r>
             <a:endParaRPr lang="en-US" altLang="en-US" sz="2000">
               <a:latin typeface="Cambria" panose="02040503050406030204" charset="0"/>
@@ -16401,6 +16645,58 @@
             <a:endParaRPr lang="en-US" altLang="en-US" sz="2000">
               <a:latin typeface="Cambria" panose="02040503050406030204" charset="0"/>
               <a:cs typeface="Cambria" panose="02040503050406030204" charset="0"/>
+            </a:endParaRPr>
+          </a:p>
+        </p:txBody>
+      </p:sp>
+      <p:sp>
+        <p:nvSpPr>
+          <p:cNvPr id="6" name="Text Box 5"/>
+          <p:cNvSpPr txBox="1"/>
+          <p:nvPr/>
+        </p:nvSpPr>
+        <p:spPr>
+          <a:xfrm>
+            <a:off x="9581515" y="4033520"/>
+            <a:ext cx="1883410" cy="356870"/>
+          </a:xfrm>
+          <a:prstGeom prst="rect">
+            <a:avLst/>
+          </a:prstGeom>
+          <a:noFill/>
+        </p:spPr>
+        <p:txBody>
+          <a:bodyPr wrap="square" rtlCol="0">
+            <a:noAutofit/>
+          </a:bodyPr>
+          <a:p>
+            <a:r>
+              <a:rPr lang="en-US" sz="1400" i="1">
+                <a:latin typeface="Cambria" panose="02040503050406030204" charset="0"/>
+                <a:cs typeface="Cambria" panose="02040503050406030204" charset="0"/>
+                <a:sym typeface="+mn-ea"/>
+              </a:rPr>
+              <a:t>Data Source: </a:t>
+            </a:r>
+            <a:r>
+              <a:rPr lang="en-US" altLang="en-US" sz="1400" i="1">
+                <a:latin typeface="Cambria" panose="02040503050406030204" charset="0"/>
+                <a:cs typeface="Cambria" panose="02040503050406030204" charset="0"/>
+                <a:sym typeface="+mn-ea"/>
+              </a:rPr>
+              <a:t>DGMS [1] </a:t>
+            </a:r>
+            <a:br>
+              <a:rPr lang="en-US" altLang="en-US" sz="1400" i="1">
+                <a:latin typeface="Cambria" panose="02040503050406030204" charset="0"/>
+                <a:cs typeface="Cambria" panose="02040503050406030204" charset="0"/>
+                <a:sym typeface="+mn-ea"/>
+              </a:rPr>
+            </a:br>
+            <a:endParaRPr lang="en-US" altLang="en-US" sz="1400" i="1">
+              <a:latin typeface="Cambria" panose="02040503050406030204" charset="0"/>
+              <a:cs typeface="Cambria" panose="02040503050406030204" charset="0"/>
+              <a:sym typeface="+mn-ea"/>
             </a:endParaRPr>
           </a:p>
         </p:txBody>
@@ -16661,7 +16957,7 @@
           </p:nvPr>
         </p:nvGraphicFramePr>
         <p:xfrm>
-          <a:off x="906780" y="1082040"/>
+          <a:off x="906780" y="1067435"/>
           <a:ext cx="10563860" cy="5469890"/>
         </p:xfrm>
         <a:graphic>
@@ -18889,8 +19185,8 @@
         </p:nvSpPr>
         <p:spPr>
           <a:xfrm>
-            <a:off x="7654925" y="6110605"/>
-            <a:ext cx="2995295" cy="460375"/>
+            <a:off x="8928735" y="6139815"/>
+            <a:ext cx="1984375" cy="277495"/>
           </a:xfrm>
           <a:prstGeom prst="rect">
             <a:avLst/>
@@ -18899,25 +19195,25 @@
         </p:spPr>
         <p:txBody>
           <a:bodyPr wrap="square" rtlCol="0">
-            <a:spAutoFit/>
+            <a:noAutofit/>
           </a:bodyPr>
           <a:p>
             <a:r>
-              <a:rPr lang="en-US" sz="1200">
+              <a:rPr lang="en-US" sz="1400">
                 <a:latin typeface="Cambria" panose="02040503050406030204" charset="0"/>
                 <a:cs typeface="Cambria" panose="02040503050406030204" charset="0"/>
               </a:rPr>
               <a:t>Data Source: </a:t>
             </a:r>
             <a:r>
-              <a:rPr lang="en-US" altLang="en-US" sz="1200">
+              <a:rPr lang="en-US" altLang="en-US" sz="1400">
                 <a:latin typeface="Cambria" panose="02040503050406030204" charset="0"/>
                 <a:cs typeface="Cambria" panose="02040503050406030204" charset="0"/>
                 <a:sym typeface="+mn-ea"/>
               </a:rPr>
-              <a:t>Directorate General of Mines Safety (DGMS)</a:t>
-            </a:r>
-            <a:endParaRPr lang="en-US" sz="1200">
+              <a:t>DGMS[1]</a:t>
+            </a:r>
+            <a:endParaRPr lang="en-US" sz="1400">
               <a:latin typeface="Cambria" panose="02040503050406030204" charset="0"/>
               <a:cs typeface="Cambria" panose="02040503050406030204" charset="0"/>
             </a:endParaRPr>
@@ -19314,8 +19610,8 @@
         </p:nvSpPr>
         <p:spPr>
           <a:xfrm>
-            <a:off x="4767580" y="6453505"/>
-            <a:ext cx="3616960" cy="337185"/>
+            <a:off x="4767580" y="6454775"/>
+            <a:ext cx="3616960" cy="306705"/>
           </a:xfrm>
           <a:prstGeom prst="rect">
             <a:avLst/>
@@ -19328,13 +19624,13 @@
           </a:bodyPr>
           <a:p>
             <a:r>
-              <a:rPr lang="en-US" sz="1600" i="1">
-                <a:latin typeface="Cambria" panose="02040503050406030204" charset="0"/>
-                <a:cs typeface="Cambria" panose="02040503050406030204" charset="0"/>
-              </a:rPr>
-              <a:t>Fig1: Wireless Sensor Network in Mines</a:t>
-            </a:r>
-            <a:endParaRPr lang="en-US" sz="1600" i="1">
+              <a:rPr lang="en-US" sz="1400" i="1">
+                <a:latin typeface="Cambria" panose="02040503050406030204" charset="0"/>
+                <a:cs typeface="Cambria" panose="02040503050406030204" charset="0"/>
+              </a:rPr>
+              <a:t>Fig 2: Wireless Sensor Network in Mines</a:t>
+            </a:r>
+            <a:endParaRPr lang="en-US" sz="1400" i="1">
               <a:latin typeface="Cambria" panose="02040503050406030204" charset="0"/>
               <a:cs typeface="Cambria" panose="02040503050406030204" charset="0"/>
             </a:endParaRPr>
@@ -19343,7 +19639,7 @@
       </p:sp>
       <p:pic>
         <p:nvPicPr>
-          <p:cNvPr id="5" name="Picture 4"/>
+          <p:cNvPr id="8" name="Picture 7" descr="ChatGPT_Image_Sep_17__2025__05_52_50_PM-removebg-preview"/>
           <p:cNvPicPr>
             <a:picLocks noChangeAspect="1"/>
           </p:cNvPicPr>
@@ -19351,14 +19647,15 @@
         </p:nvPicPr>
         <p:blipFill>
           <a:blip r:embed="rId1"/>
+          <a:srcRect t="14466" b="23559"/>
           <a:stretch>
             <a:fillRect/>
           </a:stretch>
         </p:blipFill>
         <p:spPr>
           <a:xfrm>
-            <a:off x="1736090" y="3847465"/>
-            <a:ext cx="4219575" cy="2562225"/>
+            <a:off x="6414770" y="4154170"/>
+            <a:ext cx="3415030" cy="2116455"/>
           </a:xfrm>
           <a:prstGeom prst="rect">
             <a:avLst/>
@@ -19367,7 +19664,7 @@
       </p:pic>
       <p:pic>
         <p:nvPicPr>
-          <p:cNvPr id="6" name="Picture 5"/>
+          <p:cNvPr id="10" name="Picture 9" descr="ChatGPT_Image_Sep_17__2025__05_56_23_PM-removebg-preview"/>
           <p:cNvPicPr>
             <a:picLocks noChangeAspect="1"/>
           </p:cNvPicPr>
@@ -19381,8 +19678,8 @@
         </p:blipFill>
         <p:spPr>
           <a:xfrm>
-            <a:off x="6368415" y="4182745"/>
-            <a:ext cx="4272280" cy="2136140"/>
+            <a:off x="2110740" y="3799205"/>
+            <a:ext cx="4026535" cy="2684780"/>
           </a:xfrm>
           <a:prstGeom prst="rect">
             <a:avLst/>
